--- a/lectures/14/1_Presentation Day.pptx
+++ b/lectures/14/1_Presentation Day.pptx
@@ -217,7 +217,7 @@
           <a:p>
             <a:fld id="{73B2889B-A0AC-4482-8592-5C96F2309420}" type="datetimeFigureOut">
               <a:rPr lang="en-US" smtClean="0"/>
-              <a:t>4/24/2022</a:t>
+              <a:t>4/19/2023</a:t>
             </a:fld>
             <a:endParaRPr lang="en-US"/>
           </a:p>
@@ -394,7 +394,7 @@
           <a:p>
             <a:fld id="{830EB223-FFC0-462A-A3B8-EAA7CE0F8CBD}" type="datetimeFigureOut">
               <a:rPr lang="en-US" smtClean="0"/>
-              <a:t>4/24/2022</a:t>
+              <a:t>4/19/2023</a:t>
             </a:fld>
             <a:endParaRPr lang="en-US" dirty="0"/>
           </a:p>
@@ -1243,7 +1243,7 @@
           <a:p>
             <a:fld id="{DECF21A4-E71B-4D3A-AF45-E989C23A7BB1}" type="datetimeFigureOut">
               <a:rPr lang="en-US" smtClean="0"/>
-              <a:t>4/24/2022</a:t>
+              <a:t>4/19/2023</a:t>
             </a:fld>
             <a:endParaRPr lang="en-US" dirty="0"/>
           </a:p>
@@ -1441,7 +1441,7 @@
           <a:p>
             <a:fld id="{DECF21A4-E71B-4D3A-AF45-E989C23A7BB1}" type="datetimeFigureOut">
               <a:rPr lang="en-US" smtClean="0"/>
-              <a:t>4/24/2022</a:t>
+              <a:t>4/19/2023</a:t>
             </a:fld>
             <a:endParaRPr lang="en-US" dirty="0"/>
           </a:p>
@@ -1649,7 +1649,7 @@
           <a:p>
             <a:fld id="{DECF21A4-E71B-4D3A-AF45-E989C23A7BB1}" type="datetimeFigureOut">
               <a:rPr lang="en-US" smtClean="0"/>
-              <a:t>4/24/2022</a:t>
+              <a:t>4/19/2023</a:t>
             </a:fld>
             <a:endParaRPr lang="en-US" dirty="0"/>
           </a:p>
@@ -1847,7 +1847,7 @@
           <a:p>
             <a:fld id="{DECF21A4-E71B-4D3A-AF45-E989C23A7BB1}" type="datetimeFigureOut">
               <a:rPr lang="en-US" smtClean="0"/>
-              <a:t>4/24/2022</a:t>
+              <a:t>4/19/2023</a:t>
             </a:fld>
             <a:endParaRPr lang="en-US" dirty="0"/>
           </a:p>
@@ -2122,7 +2122,7 @@
           <a:p>
             <a:fld id="{DECF21A4-E71B-4D3A-AF45-E989C23A7BB1}" type="datetimeFigureOut">
               <a:rPr lang="en-US" smtClean="0"/>
-              <a:t>4/24/2022</a:t>
+              <a:t>4/19/2023</a:t>
             </a:fld>
             <a:endParaRPr lang="en-US" dirty="0"/>
           </a:p>
@@ -2387,7 +2387,7 @@
           <a:p>
             <a:fld id="{DECF21A4-E71B-4D3A-AF45-E989C23A7BB1}" type="datetimeFigureOut">
               <a:rPr lang="en-US" smtClean="0"/>
-              <a:t>4/24/2022</a:t>
+              <a:t>4/19/2023</a:t>
             </a:fld>
             <a:endParaRPr lang="en-US" dirty="0"/>
           </a:p>
@@ -2799,7 +2799,7 @@
           <a:p>
             <a:fld id="{DECF21A4-E71B-4D3A-AF45-E989C23A7BB1}" type="datetimeFigureOut">
               <a:rPr lang="en-US" smtClean="0"/>
-              <a:t>4/24/2022</a:t>
+              <a:t>4/19/2023</a:t>
             </a:fld>
             <a:endParaRPr lang="en-US" dirty="0"/>
           </a:p>
@@ -2940,7 +2940,7 @@
           <a:p>
             <a:fld id="{DECF21A4-E71B-4D3A-AF45-E989C23A7BB1}" type="datetimeFigureOut">
               <a:rPr lang="en-US" smtClean="0"/>
-              <a:t>4/24/2022</a:t>
+              <a:t>4/19/2023</a:t>
             </a:fld>
             <a:endParaRPr lang="en-US" dirty="0"/>
           </a:p>
@@ -3053,7 +3053,7 @@
           <a:p>
             <a:fld id="{DECF21A4-E71B-4D3A-AF45-E989C23A7BB1}" type="datetimeFigureOut">
               <a:rPr lang="en-US" smtClean="0"/>
-              <a:t>4/24/2022</a:t>
+              <a:t>4/19/2023</a:t>
             </a:fld>
             <a:endParaRPr lang="en-US" dirty="0"/>
           </a:p>
@@ -3364,7 +3364,7 @@
           <a:p>
             <a:fld id="{DECF21A4-E71B-4D3A-AF45-E989C23A7BB1}" type="datetimeFigureOut">
               <a:rPr lang="en-US" smtClean="0"/>
-              <a:t>4/24/2022</a:t>
+              <a:t>4/19/2023</a:t>
             </a:fld>
             <a:endParaRPr lang="en-US" dirty="0"/>
           </a:p>
@@ -3656,7 +3656,7 @@
           <a:p>
             <a:fld id="{DECF21A4-E71B-4D3A-AF45-E989C23A7BB1}" type="datetimeFigureOut">
               <a:rPr lang="en-US" smtClean="0"/>
-              <a:t>4/24/2022</a:t>
+              <a:t>4/19/2023</a:t>
             </a:fld>
             <a:endParaRPr lang="en-US" dirty="0"/>
           </a:p>
@@ -3897,7 +3897,7 @@
           <a:p>
             <a:fld id="{DECF21A4-E71B-4D3A-AF45-E989C23A7BB1}" type="datetimeFigureOut">
               <a:rPr lang="en-US" smtClean="0"/>
-              <a:t>4/24/2022</a:t>
+              <a:t>4/19/2023</a:t>
             </a:fld>
             <a:endParaRPr lang="en-US" dirty="0"/>
           </a:p>
@@ -6156,81 +6156,50 @@
           <a:lstStyle/>
           <a:p>
             <a:r>
-              <a:rPr lang="en-US" sz="1400" dirty="0"/>
+              <a:rPr lang="en-US" sz="1600" dirty="0"/>
               <a:t>Presentation Critique </a:t>
             </a:r>
           </a:p>
           <a:p>
             <a:pPr lvl="1"/>
             <a:r>
-              <a:rPr lang="en-US" sz="1400" dirty="0">
+              <a:rPr lang="en-US" sz="1600" b="0" i="0" dirty="0">
+                <a:solidFill>
+                  <a:srgbClr val="000000"/>
+                </a:solidFill>
+                <a:effectLst/>
+                <a:latin typeface="72"/>
                 <a:hlinkClick r:id="rId3"/>
               </a:rPr>
-              <a:t>https://missouri.qualtrics.com/jfe/form/SV_0xPBVxlRxxOmejQ</a:t>
-            </a:r>
-            <a:endParaRPr lang="en-US" sz="1400" dirty="0"/>
-          </a:p>
-          <a:p>
-            <a:r>
-              <a:rPr lang="en-US" sz="1400" dirty="0"/>
+              <a:t>https://missouri.qualtrics.com/jfe/form/SV_3IdbYT3GqpfQG7I</a:t>
+            </a:r>
+            <a:endParaRPr lang="en-US" sz="1600" dirty="0"/>
+          </a:p>
+          <a:p>
+            <a:r>
+              <a:rPr lang="en-US" sz="1600" dirty="0"/>
               <a:t>One submission per group for every group that presents </a:t>
             </a:r>
           </a:p>
           <a:p>
             <a:r>
-              <a:rPr lang="en-US" sz="1400" dirty="0"/>
+              <a:rPr lang="en-US" sz="1600" dirty="0"/>
               <a:t>Each team will have 20 mins </a:t>
             </a:r>
           </a:p>
           <a:p>
             <a:pPr lvl="1"/>
             <a:r>
-              <a:rPr lang="en-US" sz="1400" dirty="0"/>
+              <a:rPr lang="en-US" sz="1600" dirty="0"/>
               <a:t>15 mins to present the project </a:t>
             </a:r>
           </a:p>
           <a:p>
             <a:pPr lvl="1"/>
             <a:r>
-              <a:rPr lang="en-US" sz="1400" dirty="0"/>
+              <a:rPr lang="en-US" sz="1600" dirty="0"/>
               <a:t>5 mins for discussion and questions, evaluation</a:t>
             </a:r>
-          </a:p>
-          <a:p>
-            <a:r>
-              <a:rPr lang="en-US" sz="1400" dirty="0"/>
-              <a:t>Presentation order:</a:t>
-            </a:r>
-          </a:p>
-          <a:p>
-            <a:pPr lvl="1"/>
-            <a:r>
-              <a:rPr lang="en-US" sz="1400" dirty="0"/>
-              <a:t>JB</a:t>
-            </a:r>
-          </a:p>
-          <a:p>
-            <a:pPr lvl="1"/>
-            <a:r>
-              <a:rPr lang="en-US" sz="1400" dirty="0"/>
-              <a:t>SB</a:t>
-            </a:r>
-          </a:p>
-          <a:p>
-            <a:pPr lvl="1"/>
-            <a:r>
-              <a:rPr lang="en-US" sz="1400"/>
-              <a:t>NC</a:t>
-            </a:r>
-            <a:endParaRPr lang="en-US" sz="1400" dirty="0"/>
-          </a:p>
-          <a:p>
-            <a:pPr lvl="1"/>
-            <a:endParaRPr lang="en-US" sz="1400" dirty="0"/>
-          </a:p>
-          <a:p>
-            <a:pPr lvl="1"/>
-            <a:endParaRPr lang="en-US" sz="1400" dirty="0"/>
           </a:p>
         </p:txBody>
       </p:sp>
